--- a/Developing an Automated Testing Strategy.pptx
+++ b/Developing an Automated Testing Strategy.pptx
@@ -5,7 +5,7 @@
     <p:sldMasterId id="2147483902" r:id="rId1"/>
   </p:sldMasterIdLst>
   <p:notesMasterIdLst>
-    <p:notesMasterId r:id="rId47"/>
+    <p:notesMasterId r:id="rId46"/>
   </p:notesMasterIdLst>
   <p:sldIdLst>
     <p:sldId id="256" r:id="rId2"/>
@@ -36,23 +36,22 @@
     <p:sldId id="283" r:id="rId27"/>
     <p:sldId id="275" r:id="rId28"/>
     <p:sldId id="284" r:id="rId29"/>
-    <p:sldId id="292" r:id="rId30"/>
-    <p:sldId id="285" r:id="rId31"/>
-    <p:sldId id="287" r:id="rId32"/>
-    <p:sldId id="288" r:id="rId33"/>
-    <p:sldId id="301" r:id="rId34"/>
-    <p:sldId id="289" r:id="rId35"/>
-    <p:sldId id="286" r:id="rId36"/>
-    <p:sldId id="291" r:id="rId37"/>
-    <p:sldId id="290" r:id="rId38"/>
-    <p:sldId id="293" r:id="rId39"/>
-    <p:sldId id="294" r:id="rId40"/>
-    <p:sldId id="299" r:id="rId41"/>
-    <p:sldId id="295" r:id="rId42"/>
-    <p:sldId id="296" r:id="rId43"/>
-    <p:sldId id="297" r:id="rId44"/>
-    <p:sldId id="298" r:id="rId45"/>
-    <p:sldId id="300" r:id="rId46"/>
+    <p:sldId id="285" r:id="rId30"/>
+    <p:sldId id="287" r:id="rId31"/>
+    <p:sldId id="288" r:id="rId32"/>
+    <p:sldId id="301" r:id="rId33"/>
+    <p:sldId id="289" r:id="rId34"/>
+    <p:sldId id="286" r:id="rId35"/>
+    <p:sldId id="291" r:id="rId36"/>
+    <p:sldId id="290" r:id="rId37"/>
+    <p:sldId id="293" r:id="rId38"/>
+    <p:sldId id="294" r:id="rId39"/>
+    <p:sldId id="299" r:id="rId40"/>
+    <p:sldId id="295" r:id="rId41"/>
+    <p:sldId id="296" r:id="rId42"/>
+    <p:sldId id="297" r:id="rId43"/>
+    <p:sldId id="298" r:id="rId44"/>
+    <p:sldId id="300" r:id="rId45"/>
   </p:sldIdLst>
   <p:sldSz cx="9144000" cy="6858000" type="screen4x3"/>
   <p:notesSz cx="6858000" cy="9144000"/>
@@ -236,7 +235,7 @@
           <a:p>
             <a:fld id="{56E2D7CE-2B25-D64B-BBFF-38649AF7D9D6}" type="datetimeFigureOut">
               <a:rPr lang="en-US" smtClean="0"/>
-              <a:t>5/14/13</a:t>
+              <a:t>5/17/13</a:t>
             </a:fld>
             <a:endParaRPr lang="en-US"/>
           </a:p>
@@ -2320,34 +2319,6 @@
               <a:buFontTx/>
               <a:buChar char="-"/>
             </a:pPr>
-            <a:r>
-              <a:rPr lang="en-US" dirty="0" smtClean="0"/>
-              <a:t>Once your team gets more disciplined</a:t>
-            </a:r>
-            <a:r>
-              <a:rPr lang="en-US" baseline="0" dirty="0" smtClean="0"/>
-              <a:t>, you can start leaving blanks in your acceptance criteria if they’re minor enough that they don’t prevent you from starting development.  But initially I wouldn’t recommend that because people are still getting used to the rhythm of the new process</a:t>
-            </a:r>
-          </a:p>
-          <a:p>
-            <a:pPr marL="171450" indent="-171450">
-              <a:buFontTx/>
-              <a:buChar char="-"/>
-            </a:pPr>
-            <a:r>
-              <a:rPr lang="en-US" baseline="0" dirty="0" smtClean="0"/>
-              <a:t>“3 Amigos” usually starts with a meeting, but then you can go off an work separately to define all of the details, and then come back together to agree on the final acceptance criteria</a:t>
-            </a:r>
-          </a:p>
-          <a:p>
-            <a:pPr marL="171450" indent="-171450">
-              <a:buFontTx/>
-              <a:buChar char="-"/>
-            </a:pPr>
-            <a:r>
-              <a:rPr lang="en-US" baseline="0" dirty="0" smtClean="0"/>
-              <a:t>Do what makes sense for you!  There are more than one way to achieve the end goal, so do what works best for your team.</a:t>
-            </a:r>
             <a:endParaRPr lang="en-US" dirty="0"/>
           </a:p>
         </p:txBody>
@@ -2367,9 +2338,8 @@
           <a:bodyPr/>
           <a:lstStyle/>
           <a:p>
-            <a:fld id="{46B52E04-8F68-435C-880A-7C7B12D9BA2F}" type="slidenum">
+            <a:fld id="{7B934457-9A74-A349-B5A3-5F7D3B8145E9}" type="slidenum">
               <a:rPr lang="en-US" smtClean="0"/>
-              <a:pPr/>
               <a:t>29</a:t>
             </a:fld>
             <a:endParaRPr lang="en-US"/>
@@ -2379,7 +2349,7 @@
     </p:spTree>
     <p:extLst>
       <p:ext uri="{BB962C8B-B14F-4D97-AF65-F5344CB8AC3E}">
-        <p14:creationId xmlns:p14="http://schemas.microsoft.com/office/powerpoint/2010/main" val="3716568682"/>
+        <p14:creationId xmlns:p14="http://schemas.microsoft.com/office/powerpoint/2010/main" val="961196000"/>
       </p:ext>
     </p:extLst>
   </p:cSld>
@@ -2525,6 +2495,14 @@
               <a:buFontTx/>
               <a:buChar char="-"/>
             </a:pPr>
+            <a:r>
+              <a:rPr lang="en-US" dirty="0" smtClean="0"/>
+              <a:t>Picking an arbitrary number as</a:t>
+            </a:r>
+            <a:r>
+              <a:rPr lang="en-US" baseline="0" dirty="0" smtClean="0"/>
+              <a:t> a threshold for test coverage doesn’t lead to you making the smartest choices.  We should look at each piece of functionality and decide how it should be tested (or not tested).</a:t>
+            </a:r>
             <a:endParaRPr lang="en-US" dirty="0"/>
           </a:p>
         </p:txBody>
@@ -2615,11 +2593,11 @@
             </a:pPr>
             <a:r>
               <a:rPr lang="en-US" dirty="0" smtClean="0"/>
-              <a:t>Picking an arbitrary number as</a:t>
+              <a:t>That’s why we’re here – we going to take an objective look at how</a:t>
             </a:r>
             <a:r>
               <a:rPr lang="en-US" baseline="0" dirty="0" smtClean="0"/>
-              <a:t> a threshold for test coverage doesn’t lead to you making the smartest choices.  We should look at each piece of functionality and decide how it should be tested (or not tested).</a:t>
+              <a:t> to make the best use of our time.</a:t>
             </a:r>
             <a:endParaRPr lang="en-US" dirty="0"/>
           </a:p>
@@ -2827,11 +2805,15 @@
             </a:pPr>
             <a:r>
               <a:rPr lang="en-US" dirty="0" smtClean="0"/>
-              <a:t>That’s why we’re here – we going to take an objective look at how</a:t>
+              <a:t>You</a:t>
             </a:r>
             <a:r>
               <a:rPr lang="en-US" baseline="0" dirty="0" smtClean="0"/>
-              <a:t> to make the best use of our time.</a:t>
+              <a:t> might decide to do lots of automated testing against your service layer and only manual testing and some happy flow automated web tests for </a:t>
+            </a:r>
+            <a:r>
+              <a:rPr lang="en-US" baseline="0" smtClean="0"/>
+              <a:t>the front end.</a:t>
             </a:r>
             <a:endParaRPr lang="en-US" dirty="0"/>
           </a:p>
@@ -2923,15 +2905,11 @@
             </a:pPr>
             <a:r>
               <a:rPr lang="en-US" dirty="0" smtClean="0"/>
-              <a:t>You</a:t>
+              <a:t>The textbook definition of how testing should be done.  But does</a:t>
             </a:r>
             <a:r>
               <a:rPr lang="en-US" baseline="0" dirty="0" smtClean="0"/>
-              <a:t> might decide to do lots of automated testing against your service layer and only manual testing and some happy flow automated web tests for </a:t>
-            </a:r>
-            <a:r>
-              <a:rPr lang="en-US" baseline="0" smtClean="0"/>
-              <a:t>the front end.</a:t>
+              <a:t> this make sense for you?  There’s a good chance that it does, but we should think about this a bit.</a:t>
             </a:r>
             <a:endParaRPr lang="en-US" dirty="0"/>
           </a:p>
@@ -3017,17 +2995,25 @@
           <a:bodyPr/>
           <a:lstStyle/>
           <a:p>
-            <a:pPr marL="171450" indent="-171450">
+            <a:pPr marL="0" indent="0">
               <a:buFontTx/>
-              <a:buChar char="-"/>
+              <a:buNone/>
             </a:pPr>
             <a:r>
               <a:rPr lang="en-US" dirty="0" smtClean="0"/>
-              <a:t>The textbook definition of how testing should be done.  But does</a:t>
+              <a:t>#4</a:t>
             </a:r>
             <a:r>
               <a:rPr lang="en-US" baseline="0" dirty="0" smtClean="0"/>
-              <a:t> this make sense for you?  There’s a good chance that it does, but we should think about this a bit.</a:t>
+              <a:t> – realistically, we all have constraints.  But maybe we can </a:t>
+            </a:r>
+            <a:r>
+              <a:rPr lang="en-US" i="1" baseline="0" dirty="0" smtClean="0"/>
+              <a:t>change</a:t>
+            </a:r>
+            <a:r>
+              <a:rPr lang="en-US" i="0" baseline="0" dirty="0" smtClean="0"/>
+              <a:t> the constraints.  If we don’t have the right people, maybe we need to add team members with different skill sets (or just more people).  If we don’t have a tool we need, maybe we should get it.  If we don’t have skills, maybe we should get training.  </a:t>
             </a:r>
             <a:endParaRPr lang="en-US" dirty="0"/>
           </a:p>
@@ -3113,25 +3099,21 @@
           <a:bodyPr/>
           <a:lstStyle/>
           <a:p>
-            <a:pPr marL="0" indent="0">
+            <a:pPr marL="171450" indent="-171450">
               <a:buFontTx/>
-              <a:buNone/>
+              <a:buChar char="-"/>
             </a:pPr>
             <a:r>
               <a:rPr lang="en-US" dirty="0" smtClean="0"/>
-              <a:t>#4</a:t>
+              <a:t>You</a:t>
             </a:r>
             <a:r>
               <a:rPr lang="en-US" baseline="0" dirty="0" smtClean="0"/>
-              <a:t> – realistically, we all have constraints.  But maybe we can </a:t>
-            </a:r>
-            <a:r>
-              <a:rPr lang="en-US" i="1" baseline="0" dirty="0" smtClean="0"/>
-              <a:t>change</a:t>
-            </a:r>
-            <a:r>
-              <a:rPr lang="en-US" i="0" baseline="0" dirty="0" smtClean="0"/>
-              <a:t> the constraints.  If we don’t have the right people, maybe we need to add team members with different skill sets (or just more people).  If we don’t have a tool we need, maybe we should get it.  If we don’t have skills, maybe we should get training.  </a:t>
+              <a:t> might decide to do lots of automated testing against your service layer and only manual testing and some happy flow automated web tests for </a:t>
+            </a:r>
+            <a:r>
+              <a:rPr lang="en-US" baseline="0" smtClean="0"/>
+              <a:t>the front end.</a:t>
             </a:r>
             <a:endParaRPr lang="en-US" dirty="0"/>
           </a:p>
@@ -3223,17 +3205,22 @@
             </a:pPr>
             <a:r>
               <a:rPr lang="en-US" dirty="0" smtClean="0"/>
-              <a:t>You</a:t>
+              <a:t>How</a:t>
             </a:r>
             <a:r>
               <a:rPr lang="en-US" baseline="0" dirty="0" smtClean="0"/>
-              <a:t> might decide to do lots of automated testing against your service layer and only manual testing and some happy flow automated web tests for </a:t>
-            </a:r>
-            <a:r>
-              <a:rPr lang="en-US" baseline="0" smtClean="0"/>
-              <a:t>the front end.</a:t>
-            </a:r>
-            <a:endParaRPr lang="en-US" dirty="0"/>
+              <a:t> long do we expect this application to be around?  (Or, is this a short-term throwaway solution or something we expect to use for a long time?)</a:t>
+            </a:r>
+          </a:p>
+          <a:p>
+            <a:pPr marL="171450" indent="-171450">
+              <a:buFontTx/>
+              <a:buChar char="-"/>
+            </a:pPr>
+            <a:r>
+              <a:rPr lang="en-US" baseline="0" dirty="0" smtClean="0"/>
+              <a:t>How often is it going to change?  </a:t>
+            </a:r>
           </a:p>
         </p:txBody>
       </p:sp>
@@ -3317,28 +3304,11 @@
           <a:bodyPr/>
           <a:lstStyle/>
           <a:p>
-            <a:pPr marL="171450" indent="-171450">
+            <a:pPr marL="0" indent="0">
               <a:buFontTx/>
-              <a:buChar char="-"/>
+              <a:buNone/>
             </a:pPr>
-            <a:r>
-              <a:rPr lang="en-US" dirty="0" smtClean="0"/>
-              <a:t>How</a:t>
-            </a:r>
-            <a:r>
-              <a:rPr lang="en-US" baseline="0" dirty="0" smtClean="0"/>
-              <a:t> long do we expect this application to be around?  (Or, is this a short-term throwaway solution or something we expect to use for a long time?)</a:t>
-            </a:r>
-          </a:p>
-          <a:p>
-            <a:pPr marL="171450" indent="-171450">
-              <a:buFontTx/>
-              <a:buChar char="-"/>
-            </a:pPr>
-            <a:r>
-              <a:rPr lang="en-US" baseline="0" dirty="0" smtClean="0"/>
-              <a:t>How often is it going to change?  </a:t>
-            </a:r>
+            <a:endParaRPr lang="en-US" dirty="0"/>
           </a:p>
         </p:txBody>
       </p:sp>
@@ -3975,94 +3945,6 @@
         </p:nvSpPr>
         <p:spPr/>
         <p:txBody>
-          <a:bodyPr/>
-          <a:lstStyle/>
-          <a:p>
-            <a:pPr marL="0" indent="0">
-              <a:buFontTx/>
-              <a:buNone/>
-            </a:pPr>
-            <a:endParaRPr lang="en-US" dirty="0"/>
-          </a:p>
-        </p:txBody>
-      </p:sp>
-      <p:sp>
-        <p:nvSpPr>
-          <p:cNvPr id="4" name="Slide Number Placeholder 3"/>
-          <p:cNvSpPr>
-            <a:spLocks noGrp="1"/>
-          </p:cNvSpPr>
-          <p:nvPr>
-            <p:ph type="sldNum" sz="quarter" idx="10"/>
-          </p:nvPr>
-        </p:nvSpPr>
-        <p:spPr/>
-        <p:txBody>
-          <a:bodyPr/>
-          <a:lstStyle/>
-          <a:p>
-            <a:fld id="{7B934457-9A74-A349-B5A3-5F7D3B8145E9}" type="slidenum">
-              <a:rPr lang="en-US" smtClean="0"/>
-              <a:t>44</a:t>
-            </a:fld>
-            <a:endParaRPr lang="en-US"/>
-          </a:p>
-        </p:txBody>
-      </p:sp>
-    </p:spTree>
-    <p:extLst>
-      <p:ext uri="{BB962C8B-B14F-4D97-AF65-F5344CB8AC3E}">
-        <p14:creationId xmlns:p14="http://schemas.microsoft.com/office/powerpoint/2010/main" val="961196000"/>
-      </p:ext>
-    </p:extLst>
-  </p:cSld>
-  <p:clrMapOvr>
-    <a:masterClrMapping/>
-  </p:clrMapOvr>
-</p:notes>
-</file>
-
-<file path=ppt/notesSlides/notesSlide42.xml><?xml version="1.0" encoding="utf-8"?>
-<p:notes xmlns:a="http://schemas.openxmlformats.org/drawingml/2006/main" xmlns:r="http://schemas.openxmlformats.org/officeDocument/2006/relationships" xmlns:p="http://schemas.openxmlformats.org/presentationml/2006/main">
-  <p:cSld>
-    <p:spTree>
-      <p:nvGrpSpPr>
-        <p:cNvPr id="1" name=""/>
-        <p:cNvGrpSpPr/>
-        <p:nvPr/>
-      </p:nvGrpSpPr>
-      <p:grpSpPr>
-        <a:xfrm>
-          <a:off x="0" y="0"/>
-          <a:ext cx="0" cy="0"/>
-          <a:chOff x="0" y="0"/>
-          <a:chExt cx="0" cy="0"/>
-        </a:xfrm>
-      </p:grpSpPr>
-      <p:sp>
-        <p:nvSpPr>
-          <p:cNvPr id="2" name="Slide Image Placeholder 1"/>
-          <p:cNvSpPr>
-            <a:spLocks noGrp="1" noRot="1" noChangeAspect="1"/>
-          </p:cNvSpPr>
-          <p:nvPr>
-            <p:ph type="sldImg"/>
-          </p:nvPr>
-        </p:nvSpPr>
-        <p:spPr/>
-      </p:sp>
-      <p:sp>
-        <p:nvSpPr>
-          <p:cNvPr id="3" name="Notes Placeholder 2"/>
-          <p:cNvSpPr>
-            <a:spLocks noGrp="1"/>
-          </p:cNvSpPr>
-          <p:nvPr>
-            <p:ph type="body" idx="1"/>
-          </p:nvPr>
-        </p:nvSpPr>
-        <p:spPr/>
-        <p:txBody>
           <a:bodyPr>
             <a:normAutofit/>
           </a:bodyPr>
@@ -4094,7 +3976,7 @@
             <a:fld id="{46B52E04-8F68-435C-880A-7C7B12D9BA2F}" type="slidenum">
               <a:rPr lang="en-US" smtClean="0"/>
               <a:pPr/>
-              <a:t>45</a:t>
+              <a:t>44</a:t>
             </a:fld>
             <a:endParaRPr lang="en-US"/>
           </a:p>
@@ -7329,7 +7211,7 @@
           <a:p>
             <a:fld id="{3A7B996D-51B0-7F48-A6B8-D9DC1CBB3ADA}" type="datetimeFigureOut">
               <a:rPr lang="en-US" smtClean="0"/>
-              <a:t>5/14/13</a:t>
+              <a:t>5/17/13</a:t>
             </a:fld>
             <a:endParaRPr lang="en-US"/>
           </a:p>
@@ -7614,7 +7496,7 @@
           <a:p>
             <a:fld id="{3A7B996D-51B0-7F48-A6B8-D9DC1CBB3ADA}" type="datetimeFigureOut">
               <a:rPr lang="en-US" smtClean="0"/>
-              <a:t>5/14/13</a:t>
+              <a:t>5/17/13</a:t>
             </a:fld>
             <a:endParaRPr lang="en-US"/>
           </a:p>
@@ -7789,7 +7671,7 @@
           <a:p>
             <a:fld id="{3A7B996D-51B0-7F48-A6B8-D9DC1CBB3ADA}" type="datetimeFigureOut">
               <a:rPr lang="en-US" smtClean="0"/>
-              <a:t>5/14/13</a:t>
+              <a:t>5/17/13</a:t>
             </a:fld>
             <a:endParaRPr lang="en-US"/>
           </a:p>
@@ -7954,7 +7836,7 @@
           <a:p>
             <a:fld id="{3A7B996D-51B0-7F48-A6B8-D9DC1CBB3ADA}" type="datetimeFigureOut">
               <a:rPr lang="en-US" smtClean="0"/>
-              <a:t>5/14/13</a:t>
+              <a:t>5/17/13</a:t>
             </a:fld>
             <a:endParaRPr lang="en-US"/>
           </a:p>
@@ -8195,7 +8077,7 @@
           <a:p>
             <a:fld id="{3A7B996D-51B0-7F48-A6B8-D9DC1CBB3ADA}" type="datetimeFigureOut">
               <a:rPr lang="en-US" smtClean="0"/>
-              <a:t>5/14/13</a:t>
+              <a:t>5/17/13</a:t>
             </a:fld>
             <a:endParaRPr lang="en-US"/>
           </a:p>
@@ -8308,7 +8190,7 @@
           <a:p>
             <a:fld id="{3A7B996D-51B0-7F48-A6B8-D9DC1CBB3ADA}" type="datetimeFigureOut">
               <a:rPr lang="en-US" smtClean="0"/>
-              <a:t>5/14/13</a:t>
+              <a:t>5/17/13</a:t>
             </a:fld>
             <a:endParaRPr lang="en-US"/>
           </a:p>
@@ -8847,7 +8729,7 @@
           <a:p>
             <a:fld id="{3A7B996D-51B0-7F48-A6B8-D9DC1CBB3ADA}" type="datetimeFigureOut">
               <a:rPr lang="en-US" smtClean="0"/>
-              <a:t>5/14/13</a:t>
+              <a:t>5/17/13</a:t>
             </a:fld>
             <a:endParaRPr lang="en-US"/>
           </a:p>
@@ -8960,7 +8842,7 @@
           <a:p>
             <a:fld id="{3A7B996D-51B0-7F48-A6B8-D9DC1CBB3ADA}" type="datetimeFigureOut">
               <a:rPr lang="en-US" smtClean="0"/>
-              <a:t>5/14/13</a:t>
+              <a:t>5/17/13</a:t>
             </a:fld>
             <a:endParaRPr lang="en-US"/>
           </a:p>
@@ -9050,7 +8932,7 @@
           <a:p>
             <a:fld id="{3A7B996D-51B0-7F48-A6B8-D9DC1CBB3ADA}" type="datetimeFigureOut">
               <a:rPr lang="en-US" smtClean="0"/>
-              <a:t>5/14/13</a:t>
+              <a:t>5/17/13</a:t>
             </a:fld>
             <a:endParaRPr lang="en-US"/>
           </a:p>
@@ -11701,7 +11583,7 @@
           <a:p>
             <a:fld id="{3A7B996D-51B0-7F48-A6B8-D9DC1CBB3ADA}" type="datetimeFigureOut">
               <a:rPr lang="en-US" smtClean="0"/>
-              <a:t>5/14/13</a:t>
+              <a:t>5/17/13</a:t>
             </a:fld>
             <a:endParaRPr lang="en-US"/>
           </a:p>
@@ -14913,7 +14795,7 @@
           <a:p>
             <a:fld id="{3A7B996D-51B0-7F48-A6B8-D9DC1CBB3ADA}" type="datetimeFigureOut">
               <a:rPr lang="en-US" smtClean="0"/>
-              <a:t>5/14/13</a:t>
+              <a:t>5/17/13</a:t>
             </a:fld>
             <a:endParaRPr lang="en-US"/>
           </a:p>
@@ -17735,7 +17617,7 @@
           <a:p>
             <a:fld id="{3A7B996D-51B0-7F48-A6B8-D9DC1CBB3ADA}" type="datetimeFigureOut">
               <a:rPr lang="en-US" smtClean="0"/>
-              <a:t>5/14/13</a:t>
+              <a:t>5/17/13</a:t>
             </a:fld>
             <a:endParaRPr lang="en-US"/>
           </a:p>
@@ -18234,19 +18116,49 @@
             <p:ph type="subTitle" idx="1"/>
           </p:nvPr>
         </p:nvSpPr>
-        <p:spPr/>
-        <p:txBody>
-          <a:bodyPr/>
+        <p:spPr>
+          <a:xfrm>
+            <a:off x="4733365" y="4421080"/>
+            <a:ext cx="3309803" cy="1620253"/>
+          </a:xfrm>
+        </p:spPr>
+        <p:txBody>
+          <a:bodyPr>
+            <a:noAutofit/>
+          </a:bodyPr>
           <a:lstStyle/>
           <a:p>
             <a:r>
-              <a:rPr lang="en-US" dirty="0" smtClean="0">
+              <a:rPr lang="en-US" sz="2400" dirty="0" smtClean="0">
                 <a:latin typeface="Franklin Gothic Medium"/>
                 <a:cs typeface="Franklin Gothic Medium"/>
               </a:rPr>
               <a:t>Jon Kruger</a:t>
             </a:r>
-            <a:endParaRPr lang="en-US" dirty="0">
+          </a:p>
+          <a:p>
+            <a:r>
+              <a:rPr lang="en-US" sz="2400" i="1" dirty="0" smtClean="0">
+                <a:latin typeface="Franklin Gothic Medium"/>
+                <a:cs typeface="Franklin Gothic Medium"/>
+              </a:rPr>
+              <a:t>(@</a:t>
+            </a:r>
+            <a:r>
+              <a:rPr lang="en-US" sz="2400" i="1" dirty="0" err="1" smtClean="0">
+                <a:latin typeface="Franklin Gothic Medium"/>
+                <a:cs typeface="Franklin Gothic Medium"/>
+              </a:rPr>
+              <a:t>JonKruger</a:t>
+            </a:r>
+            <a:r>
+              <a:rPr lang="en-US" sz="2400" i="1" dirty="0" smtClean="0">
+                <a:latin typeface="Franklin Gothic Medium"/>
+                <a:cs typeface="Franklin Gothic Medium"/>
+              </a:rPr>
+              <a:t>)</a:t>
+            </a:r>
+            <a:endParaRPr lang="en-US" sz="2400" i="1" dirty="0">
               <a:latin typeface="Franklin Gothic Medium"/>
               <a:cs typeface="Franklin Gothic Medium"/>
             </a:endParaRPr>
@@ -22384,30 +22296,20 @@
           <a:lstStyle/>
           <a:p>
             <a:r>
+              <a:rPr lang="en-US" dirty="0"/>
+              <a:t>What will happen if this feature doesn’t work as designed?</a:t>
+            </a:r>
+          </a:p>
+          <a:p>
+            <a:r>
+              <a:rPr lang="en-US" dirty="0"/>
+              <a:t>What is the cost of NOT automating this test?</a:t>
+            </a:r>
+          </a:p>
+          <a:p>
+            <a:r>
               <a:rPr lang="en-US" dirty="0" smtClean="0"/>
               <a:t>What will it cost to test this in the way that we want to test it?  Is it worth it?</a:t>
-            </a:r>
-          </a:p>
-          <a:p>
-            <a:r>
-              <a:rPr lang="en-US" dirty="0"/>
-              <a:t>What is the cost of NOT automating this test?</a:t>
-            </a:r>
-          </a:p>
-          <a:p>
-            <a:r>
-              <a:rPr lang="en-US" dirty="0" smtClean="0"/>
-              <a:t>What will be the ROI from this test?</a:t>
-            </a:r>
-          </a:p>
-          <a:p>
-            <a:r>
-              <a:rPr lang="en-US" dirty="0" smtClean="0"/>
-              <a:t>What </a:t>
-            </a:r>
-            <a:r>
-              <a:rPr lang="en-US" dirty="0"/>
-              <a:t>will happen if this feature doesn’t work as designed?</a:t>
             </a:r>
           </a:p>
           <a:p>
@@ -22580,55 +22482,6 @@
                       </p:childTnLst>
                     </p:cTn>
                   </p:par>
-                  <p:par>
-                    <p:cTn id="15" fill="hold">
-                      <p:stCondLst>
-                        <p:cond delay="indefinite"/>
-                      </p:stCondLst>
-                      <p:childTnLst>
-                        <p:par>
-                          <p:cTn id="16" fill="hold">
-                            <p:stCondLst>
-                              <p:cond delay="0"/>
-                            </p:stCondLst>
-                            <p:childTnLst>
-                              <p:par>
-                                <p:cTn id="17" presetID="1" presetClass="entr" presetSubtype="0" fill="hold" grpId="0" nodeType="clickEffect">
-                                  <p:stCondLst>
-                                    <p:cond delay="0"/>
-                                  </p:stCondLst>
-                                  <p:childTnLst>
-                                    <p:set>
-                                      <p:cBhvr>
-                                        <p:cTn id="18" dur="1" fill="hold">
-                                          <p:stCondLst>
-                                            <p:cond delay="0"/>
-                                          </p:stCondLst>
-                                        </p:cTn>
-                                        <p:tgtEl>
-                                          <p:spTgt spid="3">
-                                            <p:txEl>
-                                              <p:pRg st="3" end="3"/>
-                                            </p:txEl>
-                                          </p:spTgt>
-                                        </p:tgtEl>
-                                        <p:attrNameLst>
-                                          <p:attrName>style.visibility</p:attrName>
-                                        </p:attrNameLst>
-                                      </p:cBhvr>
-                                      <p:to>
-                                        <p:strVal val="visible"/>
-                                      </p:to>
-                                    </p:set>
-                                  </p:childTnLst>
-                                </p:cTn>
-                              </p:par>
-                            </p:childTnLst>
-                          </p:cTn>
-                        </p:par>
-                      </p:childTnLst>
-                    </p:cTn>
-                  </p:par>
                 </p:childTnLst>
               </p:cTn>
               <p:prevCondLst>
@@ -22658,398 +22511,6 @@
 </file>
 
 <file path=ppt/slides/slide29.xml><?xml version="1.0" encoding="utf-8"?>
-<p:sld xmlns:a="http://schemas.openxmlformats.org/drawingml/2006/main" xmlns:r="http://schemas.openxmlformats.org/officeDocument/2006/relationships" xmlns:p="http://schemas.openxmlformats.org/presentationml/2006/main">
-  <p:cSld>
-    <p:spTree>
-      <p:nvGrpSpPr>
-        <p:cNvPr id="1" name=""/>
-        <p:cNvGrpSpPr/>
-        <p:nvPr/>
-      </p:nvGrpSpPr>
-      <p:grpSpPr>
-        <a:xfrm>
-          <a:off x="0" y="0"/>
-          <a:ext cx="0" cy="0"/>
-          <a:chOff x="0" y="0"/>
-          <a:chExt cx="0" cy="0"/>
-        </a:xfrm>
-      </p:grpSpPr>
-      <p:sp>
-        <p:nvSpPr>
-          <p:cNvPr id="2" name="Title 1"/>
-          <p:cNvSpPr>
-            <a:spLocks noGrp="1"/>
-          </p:cNvSpPr>
-          <p:nvPr>
-            <p:ph type="title"/>
-          </p:nvPr>
-        </p:nvSpPr>
-        <p:spPr/>
-        <p:txBody>
-          <a:bodyPr anchor="t"/>
-          <a:lstStyle/>
-          <a:p>
-            <a:pPr algn="ctr"/>
-            <a:r>
-              <a:rPr lang="en-US" dirty="0" smtClean="0"/>
-              <a:t>3 Amigos Tips and Tricks</a:t>
-            </a:r>
-            <a:endParaRPr lang="en-US" dirty="0"/>
-          </a:p>
-        </p:txBody>
-      </p:sp>
-      <p:sp>
-        <p:nvSpPr>
-          <p:cNvPr id="3" name="Content Placeholder 2"/>
-          <p:cNvSpPr>
-            <a:spLocks noGrp="1"/>
-          </p:cNvSpPr>
-          <p:nvPr>
-            <p:ph idx="1"/>
-          </p:nvPr>
-        </p:nvSpPr>
-        <p:spPr/>
-        <p:txBody>
-          <a:bodyPr/>
-          <a:lstStyle/>
-          <a:p>
-            <a:r>
-              <a:rPr lang="en-US" dirty="0" smtClean="0"/>
-              <a:t>Break things into small chunks</a:t>
-            </a:r>
-          </a:p>
-          <a:p>
-            <a:r>
-              <a:rPr lang="en-US" dirty="0" smtClean="0"/>
-              <a:t>Insist on acceptance criteria being complete before development begins</a:t>
-            </a:r>
-          </a:p>
-          <a:p>
-            <a:r>
-              <a:rPr lang="en-US" dirty="0" smtClean="0"/>
-              <a:t>“3 Amigos” is not just a meeting</a:t>
-            </a:r>
-          </a:p>
-          <a:p>
-            <a:r>
-              <a:rPr lang="en-US" dirty="0" smtClean="0"/>
-              <a:t>Remember the end goal – defined acceptance criteria and shared knowledge</a:t>
-            </a:r>
-            <a:endParaRPr lang="en-US" dirty="0"/>
-          </a:p>
-        </p:txBody>
-      </p:sp>
-    </p:spTree>
-    <p:extLst>
-      <p:ext uri="{BB962C8B-B14F-4D97-AF65-F5344CB8AC3E}">
-        <p14:creationId xmlns:p14="http://schemas.microsoft.com/office/powerpoint/2010/main" val="2075065044"/>
-      </p:ext>
-    </p:extLst>
-  </p:cSld>
-  <p:clrMapOvr>
-    <a:masterClrMapping/>
-  </p:clrMapOvr>
-  <p:timing>
-    <p:tnLst>
-      <p:par>
-        <p:cTn xmlns:p14="http://schemas.microsoft.com/office/powerpoint/2010/main" id="1" dur="indefinite" restart="never" nodeType="tmRoot">
-          <p:childTnLst>
-            <p:seq concurrent="1" nextAc="seek">
-              <p:cTn id="2" dur="indefinite" nodeType="mainSeq">
-                <p:childTnLst>
-                  <p:par>
-                    <p:cTn id="3" fill="hold">
-                      <p:stCondLst>
-                        <p:cond delay="indefinite"/>
-                      </p:stCondLst>
-                      <p:childTnLst>
-                        <p:par>
-                          <p:cTn id="4" fill="hold">
-                            <p:stCondLst>
-                              <p:cond delay="0"/>
-                            </p:stCondLst>
-                            <p:childTnLst>
-                              <p:par>
-                                <p:cTn id="5" presetID="1" presetClass="entr" presetSubtype="0" fill="hold" grpId="0" nodeType="clickEffect">
-                                  <p:stCondLst>
-                                    <p:cond delay="0"/>
-                                  </p:stCondLst>
-                                  <p:childTnLst>
-                                    <p:set>
-                                      <p:cBhvr>
-                                        <p:cTn id="6" dur="1" fill="hold">
-                                          <p:stCondLst>
-                                            <p:cond delay="0"/>
-                                          </p:stCondLst>
-                                        </p:cTn>
-                                        <p:tgtEl>
-                                          <p:spTgt spid="3">
-                                            <p:txEl>
-                                              <p:pRg st="0" end="0"/>
-                                            </p:txEl>
-                                          </p:spTgt>
-                                        </p:tgtEl>
-                                        <p:attrNameLst>
-                                          <p:attrName>style.visibility</p:attrName>
-                                        </p:attrNameLst>
-                                      </p:cBhvr>
-                                      <p:to>
-                                        <p:strVal val="visible"/>
-                                      </p:to>
-                                    </p:set>
-                                  </p:childTnLst>
-                                </p:cTn>
-                              </p:par>
-                            </p:childTnLst>
-                          </p:cTn>
-                        </p:par>
-                      </p:childTnLst>
-                    </p:cTn>
-                  </p:par>
-                  <p:par>
-                    <p:cTn id="7" fill="hold">
-                      <p:stCondLst>
-                        <p:cond delay="indefinite"/>
-                      </p:stCondLst>
-                      <p:childTnLst>
-                        <p:par>
-                          <p:cTn id="8" fill="hold">
-                            <p:stCondLst>
-                              <p:cond delay="0"/>
-                            </p:stCondLst>
-                            <p:childTnLst>
-                              <p:par>
-                                <p:cTn id="9" presetID="1" presetClass="entr" presetSubtype="0" fill="hold" grpId="0" nodeType="clickEffect">
-                                  <p:stCondLst>
-                                    <p:cond delay="0"/>
-                                  </p:stCondLst>
-                                  <p:childTnLst>
-                                    <p:set>
-                                      <p:cBhvr>
-                                        <p:cTn id="10" dur="1" fill="hold">
-                                          <p:stCondLst>
-                                            <p:cond delay="0"/>
-                                          </p:stCondLst>
-                                        </p:cTn>
-                                        <p:tgtEl>
-                                          <p:spTgt spid="3">
-                                            <p:txEl>
-                                              <p:pRg st="1" end="1"/>
-                                            </p:txEl>
-                                          </p:spTgt>
-                                        </p:tgtEl>
-                                        <p:attrNameLst>
-                                          <p:attrName>style.visibility</p:attrName>
-                                        </p:attrNameLst>
-                                      </p:cBhvr>
-                                      <p:to>
-                                        <p:strVal val="visible"/>
-                                      </p:to>
-                                    </p:set>
-                                  </p:childTnLst>
-                                </p:cTn>
-                              </p:par>
-                            </p:childTnLst>
-                          </p:cTn>
-                        </p:par>
-                      </p:childTnLst>
-                    </p:cTn>
-                  </p:par>
-                  <p:par>
-                    <p:cTn id="11" fill="hold">
-                      <p:stCondLst>
-                        <p:cond delay="indefinite"/>
-                      </p:stCondLst>
-                      <p:childTnLst>
-                        <p:par>
-                          <p:cTn id="12" fill="hold">
-                            <p:stCondLst>
-                              <p:cond delay="0"/>
-                            </p:stCondLst>
-                            <p:childTnLst>
-                              <p:par>
-                                <p:cTn id="13" presetID="1" presetClass="entr" presetSubtype="0" fill="hold" grpId="0" nodeType="clickEffect">
-                                  <p:stCondLst>
-                                    <p:cond delay="0"/>
-                                  </p:stCondLst>
-                                  <p:childTnLst>
-                                    <p:set>
-                                      <p:cBhvr>
-                                        <p:cTn id="14" dur="1" fill="hold">
-                                          <p:stCondLst>
-                                            <p:cond delay="0"/>
-                                          </p:stCondLst>
-                                        </p:cTn>
-                                        <p:tgtEl>
-                                          <p:spTgt spid="3">
-                                            <p:txEl>
-                                              <p:pRg st="2" end="2"/>
-                                            </p:txEl>
-                                          </p:spTgt>
-                                        </p:tgtEl>
-                                        <p:attrNameLst>
-                                          <p:attrName>style.visibility</p:attrName>
-                                        </p:attrNameLst>
-                                      </p:cBhvr>
-                                      <p:to>
-                                        <p:strVal val="visible"/>
-                                      </p:to>
-                                    </p:set>
-                                  </p:childTnLst>
-                                </p:cTn>
-                              </p:par>
-                            </p:childTnLst>
-                          </p:cTn>
-                        </p:par>
-                      </p:childTnLst>
-                    </p:cTn>
-                  </p:par>
-                  <p:par>
-                    <p:cTn id="15" fill="hold">
-                      <p:stCondLst>
-                        <p:cond delay="indefinite"/>
-                      </p:stCondLst>
-                      <p:childTnLst>
-                        <p:par>
-                          <p:cTn id="16" fill="hold">
-                            <p:stCondLst>
-                              <p:cond delay="0"/>
-                            </p:stCondLst>
-                            <p:childTnLst>
-                              <p:par>
-                                <p:cTn id="17" presetID="1" presetClass="entr" presetSubtype="0" fill="hold" grpId="0" nodeType="clickEffect">
-                                  <p:stCondLst>
-                                    <p:cond delay="0"/>
-                                  </p:stCondLst>
-                                  <p:childTnLst>
-                                    <p:set>
-                                      <p:cBhvr>
-                                        <p:cTn id="18" dur="1" fill="hold">
-                                          <p:stCondLst>
-                                            <p:cond delay="0"/>
-                                          </p:stCondLst>
-                                        </p:cTn>
-                                        <p:tgtEl>
-                                          <p:spTgt spid="3">
-                                            <p:txEl>
-                                              <p:pRg st="3" end="3"/>
-                                            </p:txEl>
-                                          </p:spTgt>
-                                        </p:tgtEl>
-                                        <p:attrNameLst>
-                                          <p:attrName>style.visibility</p:attrName>
-                                        </p:attrNameLst>
-                                      </p:cBhvr>
-                                      <p:to>
-                                        <p:strVal val="visible"/>
-                                      </p:to>
-                                    </p:set>
-                                  </p:childTnLst>
-                                </p:cTn>
-                              </p:par>
-                            </p:childTnLst>
-                          </p:cTn>
-                        </p:par>
-                      </p:childTnLst>
-                    </p:cTn>
-                  </p:par>
-                </p:childTnLst>
-              </p:cTn>
-              <p:prevCondLst>
-                <p:cond evt="onPrev" delay="0">
-                  <p:tgtEl>
-                    <p:sldTgt/>
-                  </p:tgtEl>
-                </p:cond>
-              </p:prevCondLst>
-              <p:nextCondLst>
-                <p:cond evt="onNext" delay="0">
-                  <p:tgtEl>
-                    <p:sldTgt/>
-                  </p:tgtEl>
-                </p:cond>
-              </p:nextCondLst>
-            </p:seq>
-          </p:childTnLst>
-        </p:cTn>
-      </p:par>
-    </p:tnLst>
-    <p:bldLst>
-      <p:bldP spid="3" grpId="0" build="p"/>
-    </p:bldLst>
-  </p:timing>
-</p:sld>
-</file>
-
-<file path=ppt/slides/slide3.xml><?xml version="1.0" encoding="utf-8"?>
-<p:sld xmlns:a="http://schemas.openxmlformats.org/drawingml/2006/main" xmlns:r="http://schemas.openxmlformats.org/officeDocument/2006/relationships" xmlns:p="http://schemas.openxmlformats.org/presentationml/2006/main">
-  <p:cSld>
-    <p:spTree>
-      <p:nvGrpSpPr>
-        <p:cNvPr id="1" name=""/>
-        <p:cNvGrpSpPr/>
-        <p:nvPr/>
-      </p:nvGrpSpPr>
-      <p:grpSpPr>
-        <a:xfrm>
-          <a:off x="0" y="0"/>
-          <a:ext cx="0" cy="0"/>
-          <a:chOff x="0" y="0"/>
-          <a:chExt cx="0" cy="0"/>
-        </a:xfrm>
-      </p:grpSpPr>
-      <p:sp>
-        <p:nvSpPr>
-          <p:cNvPr id="2" name="Title 1"/>
-          <p:cNvSpPr>
-            <a:spLocks noGrp="1"/>
-          </p:cNvSpPr>
-          <p:nvPr>
-            <p:ph type="title"/>
-          </p:nvPr>
-        </p:nvSpPr>
-        <p:spPr>
-          <a:xfrm>
-            <a:off x="755088" y="2900829"/>
-            <a:ext cx="7630964" cy="1362075"/>
-          </a:xfrm>
-        </p:spPr>
-        <p:txBody>
-          <a:bodyPr anchor="t">
-            <a:normAutofit/>
-          </a:bodyPr>
-          <a:lstStyle/>
-          <a:p>
-            <a:pPr algn="ctr"/>
-            <a:r>
-              <a:rPr lang="en-US" dirty="0" smtClean="0"/>
-              <a:t>Why do we build software?</a:t>
-            </a:r>
-            <a:endParaRPr lang="en-US" dirty="0"/>
-          </a:p>
-        </p:txBody>
-      </p:sp>
-    </p:spTree>
-    <p:extLst>
-      <p:ext uri="{BB962C8B-B14F-4D97-AF65-F5344CB8AC3E}">
-        <p14:creationId xmlns:p14="http://schemas.microsoft.com/office/powerpoint/2010/main" val="2555727391"/>
-      </p:ext>
-    </p:extLst>
-  </p:cSld>
-  <p:clrMapOvr>
-    <a:masterClrMapping/>
-  </p:clrMapOvr>
-  <p:timing>
-    <p:tnLst>
-      <p:par>
-        <p:cTn xmlns:p14="http://schemas.microsoft.com/office/powerpoint/2010/main" id="1" dur="indefinite" restart="never" nodeType="tmRoot"/>
-      </p:par>
-    </p:tnLst>
-  </p:timing>
-</p:sld>
-</file>
-
-<file path=ppt/slides/slide30.xml><?xml version="1.0" encoding="utf-8"?>
 <p:sld xmlns:a="http://schemas.openxmlformats.org/drawingml/2006/main" xmlns:r="http://schemas.openxmlformats.org/officeDocument/2006/relationships" xmlns:p="http://schemas.openxmlformats.org/presentationml/2006/main">
   <p:cSld>
     <p:spTree>
@@ -23359,6 +22820,162 @@
 </p:sld>
 </file>
 
+<file path=ppt/slides/slide3.xml><?xml version="1.0" encoding="utf-8"?>
+<p:sld xmlns:a="http://schemas.openxmlformats.org/drawingml/2006/main" xmlns:r="http://schemas.openxmlformats.org/officeDocument/2006/relationships" xmlns:p="http://schemas.openxmlformats.org/presentationml/2006/main">
+  <p:cSld>
+    <p:spTree>
+      <p:nvGrpSpPr>
+        <p:cNvPr id="1" name=""/>
+        <p:cNvGrpSpPr/>
+        <p:nvPr/>
+      </p:nvGrpSpPr>
+      <p:grpSpPr>
+        <a:xfrm>
+          <a:off x="0" y="0"/>
+          <a:ext cx="0" cy="0"/>
+          <a:chOff x="0" y="0"/>
+          <a:chExt cx="0" cy="0"/>
+        </a:xfrm>
+      </p:grpSpPr>
+      <p:sp>
+        <p:nvSpPr>
+          <p:cNvPr id="2" name="Title 1"/>
+          <p:cNvSpPr>
+            <a:spLocks noGrp="1"/>
+          </p:cNvSpPr>
+          <p:nvPr>
+            <p:ph type="title"/>
+          </p:nvPr>
+        </p:nvSpPr>
+        <p:spPr>
+          <a:xfrm>
+            <a:off x="755088" y="2900829"/>
+            <a:ext cx="7630964" cy="1362075"/>
+          </a:xfrm>
+        </p:spPr>
+        <p:txBody>
+          <a:bodyPr anchor="t">
+            <a:normAutofit/>
+          </a:bodyPr>
+          <a:lstStyle/>
+          <a:p>
+            <a:pPr algn="ctr"/>
+            <a:r>
+              <a:rPr lang="en-US" dirty="0" smtClean="0"/>
+              <a:t>Why do we build software?</a:t>
+            </a:r>
+            <a:endParaRPr lang="en-US" dirty="0"/>
+          </a:p>
+        </p:txBody>
+      </p:sp>
+    </p:spTree>
+    <p:extLst>
+      <p:ext uri="{BB962C8B-B14F-4D97-AF65-F5344CB8AC3E}">
+        <p14:creationId xmlns:p14="http://schemas.microsoft.com/office/powerpoint/2010/main" val="2555727391"/>
+      </p:ext>
+    </p:extLst>
+  </p:cSld>
+  <p:clrMapOvr>
+    <a:masterClrMapping/>
+  </p:clrMapOvr>
+  <p:timing>
+    <p:tnLst>
+      <p:par>
+        <p:cTn xmlns:p14="http://schemas.microsoft.com/office/powerpoint/2010/main" id="1" dur="indefinite" restart="never" nodeType="tmRoot"/>
+      </p:par>
+    </p:tnLst>
+  </p:timing>
+</p:sld>
+</file>
+
+<file path=ppt/slides/slide30.xml><?xml version="1.0" encoding="utf-8"?>
+<p:sld xmlns:a="http://schemas.openxmlformats.org/drawingml/2006/main" xmlns:r="http://schemas.openxmlformats.org/officeDocument/2006/relationships" xmlns:p="http://schemas.openxmlformats.org/presentationml/2006/main">
+  <p:cSld>
+    <p:spTree>
+      <p:nvGrpSpPr>
+        <p:cNvPr id="1" name=""/>
+        <p:cNvGrpSpPr/>
+        <p:nvPr/>
+      </p:nvGrpSpPr>
+      <p:grpSpPr>
+        <a:xfrm>
+          <a:off x="0" y="0"/>
+          <a:ext cx="0" cy="0"/>
+          <a:chOff x="0" y="0"/>
+          <a:chExt cx="0" cy="0"/>
+        </a:xfrm>
+      </p:grpSpPr>
+      <p:sp>
+        <p:nvSpPr>
+          <p:cNvPr id="2" name="Title 1"/>
+          <p:cNvSpPr>
+            <a:spLocks noGrp="1"/>
+          </p:cNvSpPr>
+          <p:nvPr>
+            <p:ph type="title"/>
+          </p:nvPr>
+        </p:nvSpPr>
+        <p:spPr/>
+        <p:txBody>
+          <a:bodyPr anchor="t">
+            <a:normAutofit/>
+          </a:bodyPr>
+          <a:lstStyle/>
+          <a:p>
+            <a:pPr algn="ctr"/>
+            <a:r>
+              <a:rPr lang="en-US" dirty="0" smtClean="0"/>
+              <a:t>Testing Myth #1</a:t>
+            </a:r>
+            <a:endParaRPr lang="en-US" dirty="0"/>
+          </a:p>
+        </p:txBody>
+      </p:sp>
+      <p:sp>
+        <p:nvSpPr>
+          <p:cNvPr id="3" name="Content Placeholder 2"/>
+          <p:cNvSpPr>
+            <a:spLocks noGrp="1"/>
+          </p:cNvSpPr>
+          <p:nvPr>
+            <p:ph idx="1"/>
+          </p:nvPr>
+        </p:nvSpPr>
+        <p:spPr/>
+        <p:txBody>
+          <a:bodyPr/>
+          <a:lstStyle/>
+          <a:p>
+            <a:pPr marL="68580" indent="0">
+              <a:buNone/>
+            </a:pPr>
+            <a:r>
+              <a:rPr lang="en-US" dirty="0" smtClean="0"/>
+              <a:t>It’s QA’s job to come up with the testing plan.</a:t>
+            </a:r>
+          </a:p>
+        </p:txBody>
+      </p:sp>
+    </p:spTree>
+    <p:extLst>
+      <p:ext uri="{BB962C8B-B14F-4D97-AF65-F5344CB8AC3E}">
+        <p14:creationId xmlns:p14="http://schemas.microsoft.com/office/powerpoint/2010/main" val="2466514148"/>
+      </p:ext>
+    </p:extLst>
+  </p:cSld>
+  <p:clrMapOvr>
+    <a:masterClrMapping/>
+  </p:clrMapOvr>
+  <p:timing>
+    <p:tnLst>
+      <p:par>
+        <p:cTn xmlns:p14="http://schemas.microsoft.com/office/powerpoint/2010/main" id="1" dur="indefinite" restart="never" nodeType="tmRoot"/>
+      </p:par>
+    </p:tnLst>
+  </p:timing>
+</p:sld>
+</file>
+
 <file path=ppt/slides/slide31.xml><?xml version="1.0" encoding="utf-8"?>
 <p:sld xmlns:a="http://schemas.openxmlformats.org/drawingml/2006/main" xmlns:r="http://schemas.openxmlformats.org/officeDocument/2006/relationships" xmlns:p="http://schemas.openxmlformats.org/presentationml/2006/main">
   <p:cSld>
@@ -23396,7 +23013,7 @@
             <a:pPr algn="ctr"/>
             <a:r>
               <a:rPr lang="en-US" dirty="0" smtClean="0"/>
-              <a:t>Testing Myth #1</a:t>
+              <a:t>Testing Myth #2</a:t>
             </a:r>
             <a:endParaRPr lang="en-US" dirty="0"/>
           </a:p>
@@ -23422,7 +23039,7 @@
             </a:pPr>
             <a:r>
               <a:rPr lang="en-US" dirty="0" smtClean="0"/>
-              <a:t>It’s QA’s job to come up with the testing plan.</a:t>
+              <a:t>We should have X% test coverage.</a:t>
             </a:r>
           </a:p>
         </p:txBody>
@@ -23430,7 +23047,7 @@
     </p:spTree>
     <p:extLst>
       <p:ext uri="{BB962C8B-B14F-4D97-AF65-F5344CB8AC3E}">
-        <p14:creationId xmlns:p14="http://schemas.microsoft.com/office/powerpoint/2010/main" val="2466514148"/>
+        <p14:creationId xmlns:p14="http://schemas.microsoft.com/office/powerpoint/2010/main" val="413921965"/>
       </p:ext>
     </p:extLst>
   </p:cSld>
@@ -23484,7 +23101,7 @@
             <a:pPr algn="ctr"/>
             <a:r>
               <a:rPr lang="en-US" dirty="0" smtClean="0"/>
-              <a:t>Testing Myth #2</a:t>
+              <a:t>Testing Myth #3</a:t>
             </a:r>
             <a:endParaRPr lang="en-US" dirty="0"/>
           </a:p>
@@ -23510,7 +23127,7 @@
             </a:pPr>
             <a:r>
               <a:rPr lang="en-US" dirty="0" smtClean="0"/>
-              <a:t>We should have X% test coverage.</a:t>
+              <a:t>We don’t have time for automated testing.</a:t>
             </a:r>
           </a:p>
         </p:txBody>
@@ -23518,7 +23135,7 @@
     </p:spTree>
     <p:extLst>
       <p:ext uri="{BB962C8B-B14F-4D97-AF65-F5344CB8AC3E}">
-        <p14:creationId xmlns:p14="http://schemas.microsoft.com/office/powerpoint/2010/main" val="413921965"/>
+        <p14:creationId xmlns:p14="http://schemas.microsoft.com/office/powerpoint/2010/main" val="2528542852"/>
       </p:ext>
     </p:extLst>
   </p:cSld>
@@ -23572,11 +23189,7 @@
             <a:pPr algn="ctr"/>
             <a:r>
               <a:rPr lang="en-US" dirty="0" smtClean="0"/>
-              <a:t>Testing Myth </a:t>
-            </a:r>
-            <a:r>
-              <a:rPr lang="en-US" dirty="0" smtClean="0"/>
-              <a:t>#3</a:t>
+              <a:t>Testing Myth #4</a:t>
             </a:r>
             <a:endParaRPr lang="en-US" dirty="0"/>
           </a:p>
@@ -23602,20 +23215,15 @@
             </a:pPr>
             <a:r>
               <a:rPr lang="en-US" dirty="0" smtClean="0"/>
-              <a:t>We </a:t>
-            </a:r>
-            <a:r>
-              <a:rPr lang="en-US" dirty="0" smtClean="0"/>
-              <a:t>don’t have time for automated testing.</a:t>
-            </a:r>
-            <a:endParaRPr lang="en-US" dirty="0" smtClean="0"/>
+              <a:t>We can only have one testing strategy for our application.</a:t>
+            </a:r>
           </a:p>
         </p:txBody>
       </p:sp>
     </p:spTree>
     <p:extLst>
       <p:ext uri="{BB962C8B-B14F-4D97-AF65-F5344CB8AC3E}">
-        <p14:creationId xmlns:p14="http://schemas.microsoft.com/office/powerpoint/2010/main" val="2528542852"/>
+        <p14:creationId xmlns:p14="http://schemas.microsoft.com/office/powerpoint/2010/main" val="1289337335"/>
       </p:ext>
     </p:extLst>
   </p:cSld>
@@ -23662,98 +23270,6 @@
         <p:spPr/>
         <p:txBody>
           <a:bodyPr anchor="t">
-            <a:normAutofit/>
-          </a:bodyPr>
-          <a:lstStyle/>
-          <a:p>
-            <a:pPr algn="ctr"/>
-            <a:r>
-              <a:rPr lang="en-US" dirty="0" smtClean="0"/>
-              <a:t>Testing Myth </a:t>
-            </a:r>
-            <a:r>
-              <a:rPr lang="en-US" dirty="0" smtClean="0"/>
-              <a:t>#4</a:t>
-            </a:r>
-            <a:endParaRPr lang="en-US" dirty="0"/>
-          </a:p>
-        </p:txBody>
-      </p:sp>
-      <p:sp>
-        <p:nvSpPr>
-          <p:cNvPr id="3" name="Content Placeholder 2"/>
-          <p:cNvSpPr>
-            <a:spLocks noGrp="1"/>
-          </p:cNvSpPr>
-          <p:nvPr>
-            <p:ph idx="1"/>
-          </p:nvPr>
-        </p:nvSpPr>
-        <p:spPr/>
-        <p:txBody>
-          <a:bodyPr/>
-          <a:lstStyle/>
-          <a:p>
-            <a:pPr marL="68580" indent="0">
-              <a:buNone/>
-            </a:pPr>
-            <a:r>
-              <a:rPr lang="en-US" dirty="0" smtClean="0"/>
-              <a:t>We can only have one testing strategy for our application.</a:t>
-            </a:r>
-          </a:p>
-        </p:txBody>
-      </p:sp>
-    </p:spTree>
-    <p:extLst>
-      <p:ext uri="{BB962C8B-B14F-4D97-AF65-F5344CB8AC3E}">
-        <p14:creationId xmlns:p14="http://schemas.microsoft.com/office/powerpoint/2010/main" val="1289337335"/>
-      </p:ext>
-    </p:extLst>
-  </p:cSld>
-  <p:clrMapOvr>
-    <a:masterClrMapping/>
-  </p:clrMapOvr>
-  <p:timing>
-    <p:tnLst>
-      <p:par>
-        <p:cTn xmlns:p14="http://schemas.microsoft.com/office/powerpoint/2010/main" id="1" dur="indefinite" restart="never" nodeType="tmRoot"/>
-      </p:par>
-    </p:tnLst>
-  </p:timing>
-</p:sld>
-</file>
-
-<file path=ppt/slides/slide35.xml><?xml version="1.0" encoding="utf-8"?>
-<p:sld xmlns:a="http://schemas.openxmlformats.org/drawingml/2006/main" xmlns:r="http://schemas.openxmlformats.org/officeDocument/2006/relationships" xmlns:p="http://schemas.openxmlformats.org/presentationml/2006/main">
-  <p:cSld>
-    <p:spTree>
-      <p:nvGrpSpPr>
-        <p:cNvPr id="1" name=""/>
-        <p:cNvGrpSpPr/>
-        <p:nvPr/>
-      </p:nvGrpSpPr>
-      <p:grpSpPr>
-        <a:xfrm>
-          <a:off x="0" y="0"/>
-          <a:ext cx="0" cy="0"/>
-          <a:chOff x="0" y="0"/>
-          <a:chExt cx="0" cy="0"/>
-        </a:xfrm>
-      </p:grpSpPr>
-      <p:sp>
-        <p:nvSpPr>
-          <p:cNvPr id="2" name="Title 1"/>
-          <p:cNvSpPr>
-            <a:spLocks noGrp="1"/>
-          </p:cNvSpPr>
-          <p:nvPr>
-            <p:ph type="title"/>
-          </p:nvPr>
-        </p:nvSpPr>
-        <p:spPr/>
-        <p:txBody>
-          <a:bodyPr anchor="t">
             <a:normAutofit fontScale="90000"/>
           </a:bodyPr>
           <a:lstStyle/>
@@ -23806,7 +23322,7 @@
 </p:sld>
 </file>
 
-<file path=ppt/slides/slide36.xml><?xml version="1.0" encoding="utf-8"?>
+<file path=ppt/slides/slide35.xml><?xml version="1.0" encoding="utf-8"?>
 <p:sld xmlns:a="http://schemas.openxmlformats.org/drawingml/2006/main" xmlns:r="http://schemas.openxmlformats.org/officeDocument/2006/relationships" xmlns:p="http://schemas.openxmlformats.org/presentationml/2006/main">
   <p:cSld>
     <p:spTree>
@@ -24294,6 +23810,160 @@
 </p:sld>
 </file>
 
+<file path=ppt/slides/slide36.xml><?xml version="1.0" encoding="utf-8"?>
+<p:sld xmlns:a="http://schemas.openxmlformats.org/drawingml/2006/main" xmlns:r="http://schemas.openxmlformats.org/officeDocument/2006/relationships" xmlns:p="http://schemas.openxmlformats.org/presentationml/2006/main">
+  <p:cSld>
+    <p:spTree>
+      <p:nvGrpSpPr>
+        <p:cNvPr id="1" name=""/>
+        <p:cNvGrpSpPr/>
+        <p:nvPr/>
+      </p:nvGrpSpPr>
+      <p:grpSpPr>
+        <a:xfrm>
+          <a:off x="0" y="0"/>
+          <a:ext cx="0" cy="0"/>
+          <a:chOff x="0" y="0"/>
+          <a:chExt cx="0" cy="0"/>
+        </a:xfrm>
+      </p:grpSpPr>
+      <p:sp>
+        <p:nvSpPr>
+          <p:cNvPr id="2" name="Title 1"/>
+          <p:cNvSpPr>
+            <a:spLocks noGrp="1"/>
+          </p:cNvSpPr>
+          <p:nvPr>
+            <p:ph type="title"/>
+          </p:nvPr>
+        </p:nvSpPr>
+        <p:spPr/>
+        <p:txBody>
+          <a:bodyPr anchor="t">
+            <a:normAutofit/>
+          </a:bodyPr>
+          <a:lstStyle/>
+          <a:p>
+            <a:pPr algn="ctr"/>
+            <a:r>
+              <a:rPr lang="en-US" dirty="0" smtClean="0"/>
+              <a:t>Types of Tests</a:t>
+            </a:r>
+            <a:endParaRPr lang="en-US" dirty="0"/>
+          </a:p>
+        </p:txBody>
+      </p:sp>
+      <p:sp>
+        <p:nvSpPr>
+          <p:cNvPr id="3" name="Content Placeholder 2"/>
+          <p:cNvSpPr>
+            <a:spLocks noGrp="1"/>
+          </p:cNvSpPr>
+          <p:nvPr>
+            <p:ph sz="quarter" idx="13"/>
+          </p:nvPr>
+        </p:nvSpPr>
+        <p:spPr>
+          <a:xfrm>
+            <a:off x="605348" y="2313432"/>
+            <a:ext cx="3643950" cy="3493008"/>
+          </a:xfrm>
+        </p:spPr>
+        <p:txBody>
+          <a:bodyPr/>
+          <a:lstStyle/>
+          <a:p>
+            <a:r>
+              <a:rPr lang="en-US" dirty="0" smtClean="0"/>
+              <a:t>Unit tests</a:t>
+            </a:r>
+          </a:p>
+          <a:p>
+            <a:r>
+              <a:rPr lang="en-US" dirty="0" smtClean="0"/>
+              <a:t>Integration tests</a:t>
+            </a:r>
+          </a:p>
+          <a:p>
+            <a:r>
+              <a:rPr lang="en-US" dirty="0" smtClean="0"/>
+              <a:t>Acceptance Tests</a:t>
+            </a:r>
+          </a:p>
+          <a:p>
+            <a:r>
+              <a:rPr lang="en-US" dirty="0" smtClean="0"/>
+              <a:t>Manual tests</a:t>
+            </a:r>
+          </a:p>
+        </p:txBody>
+      </p:sp>
+      <p:sp>
+        <p:nvSpPr>
+          <p:cNvPr id="4" name="Content Placeholder 3"/>
+          <p:cNvSpPr>
+            <a:spLocks noGrp="1"/>
+          </p:cNvSpPr>
+          <p:nvPr>
+            <p:ph sz="quarter" idx="14"/>
+          </p:nvPr>
+        </p:nvSpPr>
+        <p:spPr>
+          <a:xfrm>
+            <a:off x="4249297" y="2313431"/>
+            <a:ext cx="4201817" cy="3493008"/>
+          </a:xfrm>
+        </p:spPr>
+        <p:txBody>
+          <a:bodyPr/>
+          <a:lstStyle/>
+          <a:p>
+            <a:r>
+              <a:rPr lang="en-US" dirty="0" smtClean="0"/>
+              <a:t>Security tests</a:t>
+            </a:r>
+          </a:p>
+          <a:p>
+            <a:r>
+              <a:rPr lang="en-US" dirty="0" smtClean="0"/>
+              <a:t>Load/performance tests</a:t>
+            </a:r>
+          </a:p>
+          <a:p>
+            <a:r>
+              <a:rPr lang="en-US" dirty="0" smtClean="0"/>
+              <a:t>User acceptance testing</a:t>
+            </a:r>
+          </a:p>
+          <a:p>
+            <a:r>
+              <a:rPr lang="en-US" dirty="0" smtClean="0"/>
+              <a:t>A/B testing</a:t>
+            </a:r>
+            <a:endParaRPr lang="en-US" dirty="0"/>
+          </a:p>
+        </p:txBody>
+      </p:sp>
+    </p:spTree>
+    <p:extLst>
+      <p:ext uri="{BB962C8B-B14F-4D97-AF65-F5344CB8AC3E}">
+        <p14:creationId xmlns:p14="http://schemas.microsoft.com/office/powerpoint/2010/main" val="993743013"/>
+      </p:ext>
+    </p:extLst>
+  </p:cSld>
+  <p:clrMapOvr>
+    <a:masterClrMapping/>
+  </p:clrMapOvr>
+  <p:timing>
+    <p:tnLst>
+      <p:par>
+        <p:cTn xmlns:p14="http://schemas.microsoft.com/office/powerpoint/2010/main" id="1" dur="indefinite" restart="never" nodeType="tmRoot"/>
+      </p:par>
+    </p:tnLst>
+  </p:timing>
+</p:sld>
+</file>
+
 <file path=ppt/slides/slide37.xml><?xml version="1.0" encoding="utf-8"?>
 <p:sld xmlns:a="http://schemas.openxmlformats.org/drawingml/2006/main" xmlns:r="http://schemas.openxmlformats.org/officeDocument/2006/relationships" xmlns:p="http://schemas.openxmlformats.org/presentationml/2006/main">
   <p:cSld>
@@ -24331,7 +24001,7 @@
             <a:pPr algn="ctr"/>
             <a:r>
               <a:rPr lang="en-US" dirty="0" smtClean="0"/>
-              <a:t>Types of Tests</a:t>
+              <a:t>How would you test…</a:t>
             </a:r>
             <a:endParaRPr lang="en-US" dirty="0"/>
           </a:p>
@@ -24344,94 +24014,28 @@
             <a:spLocks noGrp="1"/>
           </p:cNvSpPr>
           <p:nvPr>
-            <p:ph sz="quarter" idx="13"/>
-          </p:nvPr>
-        </p:nvSpPr>
-        <p:spPr>
-          <a:xfrm>
-            <a:off x="605348" y="2313432"/>
-            <a:ext cx="3643950" cy="3493008"/>
-          </a:xfrm>
-        </p:spPr>
+            <p:ph idx="1"/>
+          </p:nvPr>
+        </p:nvSpPr>
+        <p:spPr/>
         <p:txBody>
           <a:bodyPr/>
           <a:lstStyle/>
           <a:p>
+            <a:pPr marL="68580" indent="0">
+              <a:buNone/>
+            </a:pPr>
             <a:r>
               <a:rPr lang="en-US" dirty="0" smtClean="0"/>
-              <a:t>Unit tests</a:t>
-            </a:r>
-          </a:p>
-          <a:p>
-            <a:r>
-              <a:rPr lang="en-US" dirty="0" smtClean="0"/>
-              <a:t>Integration tests</a:t>
-            </a:r>
-          </a:p>
-          <a:p>
-            <a:r>
-              <a:rPr lang="en-US" dirty="0" smtClean="0"/>
-              <a:t>Acceptance Tests</a:t>
-            </a:r>
-          </a:p>
-          <a:p>
-            <a:r>
-              <a:rPr lang="en-US" dirty="0" smtClean="0"/>
-              <a:t>Manual tests</a:t>
-            </a:r>
-          </a:p>
-        </p:txBody>
-      </p:sp>
-      <p:sp>
-        <p:nvSpPr>
-          <p:cNvPr id="4" name="Content Placeholder 3"/>
-          <p:cNvSpPr>
-            <a:spLocks noGrp="1"/>
-          </p:cNvSpPr>
-          <p:nvPr>
-            <p:ph sz="quarter" idx="14"/>
-          </p:nvPr>
-        </p:nvSpPr>
-        <p:spPr>
-          <a:xfrm>
-            <a:off x="4249297" y="2313431"/>
-            <a:ext cx="4201817" cy="3493008"/>
-          </a:xfrm>
-        </p:spPr>
-        <p:txBody>
-          <a:bodyPr/>
-          <a:lstStyle/>
-          <a:p>
-            <a:r>
-              <a:rPr lang="en-US" dirty="0" smtClean="0"/>
-              <a:t>Security tests</a:t>
-            </a:r>
-          </a:p>
-          <a:p>
-            <a:r>
-              <a:rPr lang="en-US" dirty="0" smtClean="0"/>
-              <a:t>Load/performance tests</a:t>
-            </a:r>
-          </a:p>
-          <a:p>
-            <a:r>
-              <a:rPr lang="en-US" dirty="0" smtClean="0"/>
-              <a:t>User acceptance testing</a:t>
-            </a:r>
-          </a:p>
-          <a:p>
-            <a:r>
-              <a:rPr lang="en-US" dirty="0" smtClean="0"/>
-              <a:t>A/B testing</a:t>
-            </a:r>
-            <a:endParaRPr lang="en-US" dirty="0"/>
+              <a:t>An internal line-of-business application with 20 users (not mission-critical)</a:t>
+            </a:r>
           </a:p>
         </p:txBody>
       </p:sp>
     </p:spTree>
     <p:extLst>
       <p:ext uri="{BB962C8B-B14F-4D97-AF65-F5344CB8AC3E}">
-        <p14:creationId xmlns:p14="http://schemas.microsoft.com/office/powerpoint/2010/main" val="993743013"/>
+        <p14:creationId xmlns:p14="http://schemas.microsoft.com/office/powerpoint/2010/main" val="983988153"/>
       </p:ext>
     </p:extLst>
   </p:cSld>
@@ -24511,7 +24115,26 @@
             </a:pPr>
             <a:r>
               <a:rPr lang="en-US" dirty="0" smtClean="0"/>
-              <a:t>An internal line-of-business application with 20 users (not mission-critical)</a:t>
+              <a:t>Your bank’s website for accessing your checking account</a:t>
+            </a:r>
+            <a:endParaRPr lang="en-US" dirty="0"/>
+          </a:p>
+          <a:p>
+            <a:r>
+              <a:rPr lang="en-US" dirty="0" smtClean="0"/>
+              <a:t>View balance and recent activity</a:t>
+            </a:r>
+          </a:p>
+          <a:p>
+            <a:r>
+              <a:rPr lang="en-US" dirty="0" smtClean="0"/>
+              <a:t>Pay bills</a:t>
+            </a:r>
+          </a:p>
+          <a:p>
+            <a:r>
+              <a:rPr lang="en-US" dirty="0" smtClean="0"/>
+              <a:t>Perform customer service functions</a:t>
             </a:r>
           </a:p>
         </p:txBody>
@@ -24519,7 +24142,7 @@
     </p:spTree>
     <p:extLst>
       <p:ext uri="{BB962C8B-B14F-4D97-AF65-F5344CB8AC3E}">
-        <p14:creationId xmlns:p14="http://schemas.microsoft.com/office/powerpoint/2010/main" val="983988153"/>
+        <p14:creationId xmlns:p14="http://schemas.microsoft.com/office/powerpoint/2010/main" val="2077033092"/>
       </p:ext>
     </p:extLst>
   </p:cSld>
@@ -24599,26 +24222,19 @@
             </a:pPr>
             <a:r>
               <a:rPr lang="en-US" dirty="0" smtClean="0"/>
-              <a:t>Your bank’s website for accessing your checking account</a:t>
-            </a:r>
-            <a:endParaRPr lang="en-US" dirty="0"/>
+              <a:t>A back-end transaction processing system</a:t>
+            </a:r>
           </a:p>
           <a:p>
             <a:r>
               <a:rPr lang="en-US" dirty="0" smtClean="0"/>
-              <a:t>View balance and recent activity</a:t>
+              <a:t>Processes 100000 transactions per day</a:t>
             </a:r>
           </a:p>
           <a:p>
             <a:r>
               <a:rPr lang="en-US" dirty="0" smtClean="0"/>
-              <a:t>Pay bills</a:t>
-            </a:r>
-          </a:p>
-          <a:p>
-            <a:r>
-              <a:rPr lang="en-US" dirty="0" smtClean="0"/>
-              <a:t>Perform customer service functions</a:t>
+              <a:t>No user interface</a:t>
             </a:r>
           </a:p>
         </p:txBody>
@@ -24626,7 +24242,7 @@
     </p:spTree>
     <p:extLst>
       <p:ext uri="{BB962C8B-B14F-4D97-AF65-F5344CB8AC3E}">
-        <p14:creationId xmlns:p14="http://schemas.microsoft.com/office/powerpoint/2010/main" val="2077033092"/>
+        <p14:creationId xmlns:p14="http://schemas.microsoft.com/office/powerpoint/2010/main" val="3353423911"/>
       </p:ext>
     </p:extLst>
   </p:cSld>
@@ -24919,27 +24535,20 @@
             </a:pPr>
             <a:r>
               <a:rPr lang="en-US" dirty="0" smtClean="0"/>
-              <a:t>A back-end transaction processing system</a:t>
-            </a:r>
-          </a:p>
-          <a:p>
-            <a:r>
-              <a:rPr lang="en-US" dirty="0" smtClean="0"/>
-              <a:t>Processes 100000 transactions per day</a:t>
-            </a:r>
-          </a:p>
-          <a:p>
-            <a:r>
-              <a:rPr lang="en-US" dirty="0" smtClean="0"/>
-              <a:t>No user interface</a:t>
-            </a:r>
+              <a:t>A startup competitor to </a:t>
+            </a:r>
+            <a:r>
+              <a:rPr lang="en-US" dirty="0" err="1" smtClean="0"/>
+              <a:t>Instagram</a:t>
+            </a:r>
+            <a:endParaRPr lang="en-US" dirty="0" smtClean="0"/>
           </a:p>
         </p:txBody>
       </p:sp>
     </p:spTree>
     <p:extLst>
       <p:ext uri="{BB962C8B-B14F-4D97-AF65-F5344CB8AC3E}">
-        <p14:creationId xmlns:p14="http://schemas.microsoft.com/office/powerpoint/2010/main" val="3353423911"/>
+        <p14:creationId xmlns:p14="http://schemas.microsoft.com/office/powerpoint/2010/main" val="2907988426"/>
       </p:ext>
     </p:extLst>
   </p:cSld>
@@ -25019,32 +24628,15 @@
             </a:pPr>
             <a:r>
               <a:rPr lang="en-US" dirty="0" smtClean="0"/>
-              <a:t>A </a:t>
-            </a:r>
-            <a:r>
-              <a:rPr lang="en-US" dirty="0" smtClean="0"/>
-              <a:t>startup </a:t>
-            </a:r>
-            <a:r>
-              <a:rPr lang="en-US" dirty="0" smtClean="0"/>
-              <a:t>competitor </a:t>
-            </a:r>
-            <a:r>
-              <a:rPr lang="en-US" dirty="0" smtClean="0"/>
-              <a:t>to </a:t>
-            </a:r>
-            <a:r>
-              <a:rPr lang="en-US" dirty="0" err="1" smtClean="0"/>
-              <a:t>Instagram</a:t>
-            </a:r>
-            <a:endParaRPr lang="en-US" dirty="0" smtClean="0"/>
+              <a:t>The computer in a car</a:t>
+            </a:r>
           </a:p>
         </p:txBody>
       </p:sp>
     </p:spTree>
     <p:extLst>
       <p:ext uri="{BB962C8B-B14F-4D97-AF65-F5344CB8AC3E}">
-        <p14:creationId xmlns:p14="http://schemas.microsoft.com/office/powerpoint/2010/main" val="2907988426"/>
+        <p14:creationId xmlns:p14="http://schemas.microsoft.com/office/powerpoint/2010/main" val="3881610652"/>
       </p:ext>
     </p:extLst>
   </p:cSld>
@@ -25124,7 +24716,7 @@
             </a:pPr>
             <a:r>
               <a:rPr lang="en-US" dirty="0" smtClean="0"/>
-              <a:t>The computer in a car</a:t>
+              <a:t>The space shuttle</a:t>
             </a:r>
           </a:p>
         </p:txBody>
@@ -25132,7 +24724,7 @@
     </p:spTree>
     <p:extLst>
       <p:ext uri="{BB962C8B-B14F-4D97-AF65-F5344CB8AC3E}">
-        <p14:creationId xmlns:p14="http://schemas.microsoft.com/office/powerpoint/2010/main" val="3881610652"/>
+        <p14:creationId xmlns:p14="http://schemas.microsoft.com/office/powerpoint/2010/main" val="3162375990"/>
       </p:ext>
     </p:extLst>
   </p:cSld>
@@ -25212,94 +24804,6 @@
             </a:pPr>
             <a:r>
               <a:rPr lang="en-US" dirty="0" smtClean="0"/>
-              <a:t>The space shuttle</a:t>
-            </a:r>
-          </a:p>
-        </p:txBody>
-      </p:sp>
-    </p:spTree>
-    <p:extLst>
-      <p:ext uri="{BB962C8B-B14F-4D97-AF65-F5344CB8AC3E}">
-        <p14:creationId xmlns:p14="http://schemas.microsoft.com/office/powerpoint/2010/main" val="3162375990"/>
-      </p:ext>
-    </p:extLst>
-  </p:cSld>
-  <p:clrMapOvr>
-    <a:masterClrMapping/>
-  </p:clrMapOvr>
-  <p:timing>
-    <p:tnLst>
-      <p:par>
-        <p:cTn xmlns:p14="http://schemas.microsoft.com/office/powerpoint/2010/main" id="1" dur="indefinite" restart="never" nodeType="tmRoot"/>
-      </p:par>
-    </p:tnLst>
-  </p:timing>
-</p:sld>
-</file>
-
-<file path=ppt/slides/slide44.xml><?xml version="1.0" encoding="utf-8"?>
-<p:sld xmlns:a="http://schemas.openxmlformats.org/drawingml/2006/main" xmlns:r="http://schemas.openxmlformats.org/officeDocument/2006/relationships" xmlns:p="http://schemas.openxmlformats.org/presentationml/2006/main">
-  <p:cSld>
-    <p:spTree>
-      <p:nvGrpSpPr>
-        <p:cNvPr id="1" name=""/>
-        <p:cNvGrpSpPr/>
-        <p:nvPr/>
-      </p:nvGrpSpPr>
-      <p:grpSpPr>
-        <a:xfrm>
-          <a:off x="0" y="0"/>
-          <a:ext cx="0" cy="0"/>
-          <a:chOff x="0" y="0"/>
-          <a:chExt cx="0" cy="0"/>
-        </a:xfrm>
-      </p:grpSpPr>
-      <p:sp>
-        <p:nvSpPr>
-          <p:cNvPr id="2" name="Title 1"/>
-          <p:cNvSpPr>
-            <a:spLocks noGrp="1"/>
-          </p:cNvSpPr>
-          <p:nvPr>
-            <p:ph type="title"/>
-          </p:nvPr>
-        </p:nvSpPr>
-        <p:spPr/>
-        <p:txBody>
-          <a:bodyPr anchor="t">
-            <a:normAutofit/>
-          </a:bodyPr>
-          <a:lstStyle/>
-          <a:p>
-            <a:pPr algn="ctr"/>
-            <a:r>
-              <a:rPr lang="en-US" dirty="0" smtClean="0"/>
-              <a:t>How would you test…</a:t>
-            </a:r>
-            <a:endParaRPr lang="en-US" dirty="0"/>
-          </a:p>
-        </p:txBody>
-      </p:sp>
-      <p:sp>
-        <p:nvSpPr>
-          <p:cNvPr id="3" name="Content Placeholder 2"/>
-          <p:cNvSpPr>
-            <a:spLocks noGrp="1"/>
-          </p:cNvSpPr>
-          <p:nvPr>
-            <p:ph idx="1"/>
-          </p:nvPr>
-        </p:nvSpPr>
-        <p:spPr/>
-        <p:txBody>
-          <a:bodyPr/>
-          <a:lstStyle/>
-          <a:p>
-            <a:pPr marL="68580" indent="0">
-              <a:buNone/>
-            </a:pPr>
-            <a:r>
-              <a:rPr lang="en-US" dirty="0" smtClean="0"/>
               <a:t>An e-commerce site for a clothing store</a:t>
             </a:r>
           </a:p>
@@ -25325,7 +24829,7 @@
 </p:sld>
 </file>
 
-<file path=ppt/slides/slide45.xml><?xml version="1.0" encoding="utf-8"?>
+<file path=ppt/slides/slide44.xml><?xml version="1.0" encoding="utf-8"?>
 <p:sld xmlns:a="http://schemas.openxmlformats.org/drawingml/2006/main" xmlns:r="http://schemas.openxmlformats.org/officeDocument/2006/relationships" xmlns:p="http://schemas.openxmlformats.org/presentationml/2006/main">
   <p:cSld>
     <p:spTree>
@@ -25591,15 +25095,10 @@
             <p:ph type="title"/>
           </p:nvPr>
         </p:nvSpPr>
-        <p:spPr>
-          <a:xfrm>
-            <a:off x="755088" y="2900829"/>
-            <a:ext cx="7630964" cy="1362075"/>
-          </a:xfrm>
-        </p:spPr>
+        <p:spPr/>
         <p:txBody>
           <a:bodyPr anchor="t">
-            <a:normAutofit/>
+            <a:normAutofit fontScale="90000"/>
           </a:bodyPr>
           <a:lstStyle/>
           <a:p>
@@ -25616,25 +25115,25 @@
           </a:p>
         </p:txBody>
       </p:sp>
-      <p:sp>
-        <p:nvSpPr>
-          <p:cNvPr id="4" name="Text Placeholder 3"/>
-          <p:cNvSpPr>
-            <a:spLocks noGrp="1"/>
-          </p:cNvSpPr>
-          <p:nvPr>
-            <p:ph type="body" idx="1"/>
-          </p:nvPr>
-        </p:nvSpPr>
+      <p:pic>
+        <p:nvPicPr>
+          <p:cNvPr id="5" name="Content Placeholder 4"/>
+          <p:cNvPicPr>
+            <a:picLocks noGrp="1" noChangeAspect="1"/>
+          </p:cNvPicPr>
+          <p:nvPr>
+            <p:ph idx="1"/>
+          </p:nvPr>
+        </p:nvPicPr>
+        <p:blipFill>
+          <a:blip r:embed="rId3"/>
+          <a:srcRect l="-14381" r="-14381"/>
+          <a:stretch>
+            <a:fillRect/>
+          </a:stretch>
+        </p:blipFill>
         <p:spPr/>
-        <p:txBody>
-          <a:bodyPr/>
-          <a:lstStyle/>
-          <a:p>
-            <a:endParaRPr lang="en-US" dirty="0"/>
-          </a:p>
-        </p:txBody>
-      </p:sp>
+      </p:pic>
     </p:spTree>
     <p:extLst>
       <p:ext uri="{BB962C8B-B14F-4D97-AF65-F5344CB8AC3E}">
